--- a/Figures/图27 空间相关性衰减.pptx
+++ b/Figures/图27 空间相关性衰减.pptx
@@ -614,7 +614,7 @@
           <a:p>
             <a:fld id="{1164837A-B193-493A-A034-A1ED6F01202C}" type="datetimeFigureOut">
               <a:rPr lang="zh-CN" altLang="en-US" smtClean="0"/>
-              <a:t>2024/11/26</a:t>
+              <a:t>2025/4/28</a:t>
             </a:fld>
             <a:endParaRPr lang="zh-CN" altLang="en-US"/>
           </a:p>
@@ -784,7 +784,7 @@
           <a:p>
             <a:fld id="{1164837A-B193-493A-A034-A1ED6F01202C}" type="datetimeFigureOut">
               <a:rPr lang="zh-CN" altLang="en-US" smtClean="0"/>
-              <a:t>2024/11/26</a:t>
+              <a:t>2025/4/28</a:t>
             </a:fld>
             <a:endParaRPr lang="zh-CN" altLang="en-US"/>
           </a:p>
@@ -964,7 +964,7 @@
           <a:p>
             <a:fld id="{1164837A-B193-493A-A034-A1ED6F01202C}" type="datetimeFigureOut">
               <a:rPr lang="zh-CN" altLang="en-US" smtClean="0"/>
-              <a:t>2024/11/26</a:t>
+              <a:t>2025/4/28</a:t>
             </a:fld>
             <a:endParaRPr lang="zh-CN" altLang="en-US"/>
           </a:p>
@@ -1134,7 +1134,7 @@
           <a:p>
             <a:fld id="{1164837A-B193-493A-A034-A1ED6F01202C}" type="datetimeFigureOut">
               <a:rPr lang="zh-CN" altLang="en-US" smtClean="0"/>
-              <a:t>2024/11/26</a:t>
+              <a:t>2025/4/28</a:t>
             </a:fld>
             <a:endParaRPr lang="zh-CN" altLang="en-US"/>
           </a:p>
@@ -1378,7 +1378,7 @@
           <a:p>
             <a:fld id="{1164837A-B193-493A-A034-A1ED6F01202C}" type="datetimeFigureOut">
               <a:rPr lang="zh-CN" altLang="en-US" smtClean="0"/>
-              <a:t>2024/11/26</a:t>
+              <a:t>2025/4/28</a:t>
             </a:fld>
             <a:endParaRPr lang="zh-CN" altLang="en-US"/>
           </a:p>
@@ -1610,7 +1610,7 @@
           <a:p>
             <a:fld id="{1164837A-B193-493A-A034-A1ED6F01202C}" type="datetimeFigureOut">
               <a:rPr lang="zh-CN" altLang="en-US" smtClean="0"/>
-              <a:t>2024/11/26</a:t>
+              <a:t>2025/4/28</a:t>
             </a:fld>
             <a:endParaRPr lang="zh-CN" altLang="en-US"/>
           </a:p>
@@ -1977,7 +1977,7 @@
           <a:p>
             <a:fld id="{1164837A-B193-493A-A034-A1ED6F01202C}" type="datetimeFigureOut">
               <a:rPr lang="zh-CN" altLang="en-US" smtClean="0"/>
-              <a:t>2024/11/26</a:t>
+              <a:t>2025/4/28</a:t>
             </a:fld>
             <a:endParaRPr lang="zh-CN" altLang="en-US"/>
           </a:p>
@@ -2095,7 +2095,7 @@
           <a:p>
             <a:fld id="{1164837A-B193-493A-A034-A1ED6F01202C}" type="datetimeFigureOut">
               <a:rPr lang="zh-CN" altLang="en-US" smtClean="0"/>
-              <a:t>2024/11/26</a:t>
+              <a:t>2025/4/28</a:t>
             </a:fld>
             <a:endParaRPr lang="zh-CN" altLang="en-US"/>
           </a:p>
@@ -2190,7 +2190,7 @@
           <a:p>
             <a:fld id="{1164837A-B193-493A-A034-A1ED6F01202C}" type="datetimeFigureOut">
               <a:rPr lang="zh-CN" altLang="en-US" smtClean="0"/>
-              <a:t>2024/11/26</a:t>
+              <a:t>2025/4/28</a:t>
             </a:fld>
             <a:endParaRPr lang="zh-CN" altLang="en-US"/>
           </a:p>
@@ -2467,7 +2467,7 @@
           <a:p>
             <a:fld id="{1164837A-B193-493A-A034-A1ED6F01202C}" type="datetimeFigureOut">
               <a:rPr lang="zh-CN" altLang="en-US" smtClean="0"/>
-              <a:t>2024/11/26</a:t>
+              <a:t>2025/4/28</a:t>
             </a:fld>
             <a:endParaRPr lang="zh-CN" altLang="en-US"/>
           </a:p>
@@ -2724,7 +2724,7 @@
           <a:p>
             <a:fld id="{1164837A-B193-493A-A034-A1ED6F01202C}" type="datetimeFigureOut">
               <a:rPr lang="zh-CN" altLang="en-US" smtClean="0"/>
-              <a:t>2024/11/26</a:t>
+              <a:t>2025/4/28</a:t>
             </a:fld>
             <a:endParaRPr lang="zh-CN" altLang="en-US"/>
           </a:p>
@@ -2937,7 +2937,7 @@
           <a:p>
             <a:fld id="{1164837A-B193-493A-A034-A1ED6F01202C}" type="datetimeFigureOut">
               <a:rPr lang="zh-CN" altLang="en-US" smtClean="0"/>
-              <a:t>2024/11/26</a:t>
+              <a:t>2025/4/28</a:t>
             </a:fld>
             <a:endParaRPr lang="zh-CN" altLang="en-US"/>
           </a:p>
@@ -3389,86 +3389,6 @@
           </a:p>
         </p:txBody>
       </p:sp>
-      <p:pic>
-        <p:nvPicPr>
-          <p:cNvPr id="3" name="图片 2">
-            <a:extLst>
-              <a:ext uri="{FF2B5EF4-FFF2-40B4-BE49-F238E27FC236}">
-                <a16:creationId xmlns:a16="http://schemas.microsoft.com/office/drawing/2014/main" id="{099938A6-DC79-5F6A-3334-883B4BFFB0BF}"/>
-              </a:ext>
-            </a:extLst>
-          </p:cNvPr>
-          <p:cNvPicPr>
-            <a:picLocks noChangeAspect="1"/>
-          </p:cNvPicPr>
-          <p:nvPr/>
-        </p:nvPicPr>
-        <p:blipFill>
-          <a:blip r:embed="rId2">
-            <a:extLst>
-              <a:ext uri="{28A0092B-C50C-407E-A947-70E740481C1C}">
-                <a14:useLocalDpi xmlns:a14="http://schemas.microsoft.com/office/drawing/2010/main" val="0"/>
-              </a:ext>
-            </a:extLst>
-          </a:blip>
-          <a:srcRect/>
-          <a:stretch>
-            <a:fillRect/>
-          </a:stretch>
-        </p:blipFill>
-        <p:spPr bwMode="auto">
-          <a:xfrm>
-            <a:off x="519268" y="341630"/>
-            <a:ext cx="2741295" cy="2694940"/>
-          </a:xfrm>
-          <a:prstGeom prst="rect">
-            <a:avLst/>
-          </a:prstGeom>
-          <a:noFill/>
-          <a:ln>
-            <a:noFill/>
-          </a:ln>
-        </p:spPr>
-      </p:pic>
-      <p:pic>
-        <p:nvPicPr>
-          <p:cNvPr id="4" name="图片 3">
-            <a:extLst>
-              <a:ext uri="{FF2B5EF4-FFF2-40B4-BE49-F238E27FC236}">
-                <a16:creationId xmlns:a16="http://schemas.microsoft.com/office/drawing/2014/main" id="{FEA58158-121F-45D8-6039-F6B8BCF34DF6}"/>
-              </a:ext>
-            </a:extLst>
-          </p:cNvPr>
-          <p:cNvPicPr>
-            <a:picLocks noChangeAspect="1"/>
-          </p:cNvPicPr>
-          <p:nvPr/>
-        </p:nvPicPr>
-        <p:blipFill>
-          <a:blip r:embed="rId2">
-            <a:extLst>
-              <a:ext uri="{28A0092B-C50C-407E-A947-70E740481C1C}">
-                <a14:useLocalDpi xmlns:a14="http://schemas.microsoft.com/office/drawing/2010/main" val="0"/>
-              </a:ext>
-            </a:extLst>
-          </a:blip>
-          <a:srcRect t="76567" b="17955"/>
-          <a:stretch/>
-        </p:blipFill>
-        <p:spPr bwMode="auto">
-          <a:xfrm>
-            <a:off x="544945" y="3036570"/>
-            <a:ext cx="2741295" cy="147638"/>
-          </a:xfrm>
-          <a:prstGeom prst="rect">
-            <a:avLst/>
-          </a:prstGeom>
-          <a:noFill/>
-          <a:ln>
-            <a:noFill/>
-          </a:ln>
-        </p:spPr>
-      </p:pic>
       <p:sp>
         <p:nvSpPr>
           <p:cNvPr id="5" name="矩形 4">
@@ -3535,7 +3455,7 @@
         </p:nvSpPr>
         <p:spPr>
           <a:xfrm>
-            <a:off x="919027" y="314862"/>
+            <a:off x="890452" y="314862"/>
             <a:ext cx="205184" cy="123111"/>
           </a:xfrm>
           <a:prstGeom prst="rect">
@@ -4111,6 +4031,36 @@
           </a:p>
         </p:txBody>
       </p:sp>
+      <p:pic>
+        <p:nvPicPr>
+          <p:cNvPr id="21" name="图片 20">
+            <a:extLst>
+              <a:ext uri="{FF2B5EF4-FFF2-40B4-BE49-F238E27FC236}">
+                <a16:creationId xmlns:a16="http://schemas.microsoft.com/office/drawing/2014/main" id="{8FE86750-1635-AEEC-7791-25D9D97EB1B6}"/>
+              </a:ext>
+            </a:extLst>
+          </p:cNvPr>
+          <p:cNvPicPr>
+            <a:picLocks noChangeAspect="1"/>
+          </p:cNvPicPr>
+          <p:nvPr/>
+        </p:nvPicPr>
+        <p:blipFill>
+          <a:blip r:embed="rId2"/>
+          <a:stretch>
+            <a:fillRect/>
+          </a:stretch>
+        </p:blipFill>
+        <p:spPr>
+          <a:xfrm>
+            <a:off x="629407" y="484879"/>
+            <a:ext cx="2588682" cy="2600502"/>
+          </a:xfrm>
+          <a:prstGeom prst="rect">
+            <a:avLst/>
+          </a:prstGeom>
+        </p:spPr>
+      </p:pic>
     </p:spTree>
     <p:extLst>
       <p:ext uri="{BB962C8B-B14F-4D97-AF65-F5344CB8AC3E}">
